--- a/[Learning and Exercise] Data Science/Data Science/Comparisons/CrossEntropy.pptx
+++ b/[Learning and Exercise] Data Science/Data Science/Comparisons/CrossEntropy.pptx
@@ -5,7 +5,8 @@
     <p:sldMasterId id="2147483648" r:id="rId1"/>
   </p:sldMasterIdLst>
   <p:sldIdLst>
-    <p:sldId id="256" r:id="rId2"/>
+    <p:sldId id="257" r:id="rId2"/>
+    <p:sldId id="256" r:id="rId3"/>
   </p:sldIdLst>
   <p:sldSz cx="12192000" cy="6858000"/>
   <p:notesSz cx="6858000" cy="9144000"/>
@@ -2966,6 +2967,60 @@
       </p:grpSpPr>
       <p:pic>
         <p:nvPicPr>
+          <p:cNvPr id="4" name="Picture 3"/>
+          <p:cNvPicPr>
+            <a:picLocks noChangeAspect="1"/>
+          </p:cNvPicPr>
+          <p:nvPr/>
+        </p:nvPicPr>
+        <p:blipFill>
+          <a:blip r:embed="rId2"/>
+          <a:stretch>
+            <a:fillRect/>
+          </a:stretch>
+        </p:blipFill>
+        <p:spPr>
+          <a:xfrm>
+            <a:off x="2037245" y="515581"/>
+            <a:ext cx="5349616" cy="4255202"/>
+          </a:xfrm>
+          <a:prstGeom prst="rect">
+            <a:avLst/>
+          </a:prstGeom>
+        </p:spPr>
+      </p:pic>
+    </p:spTree>
+    <p:extLst>
+      <p:ext uri="{BB962C8B-B14F-4D97-AF65-F5344CB8AC3E}">
+        <p14:creationId xmlns:p14="http://schemas.microsoft.com/office/powerpoint/2010/main" val="3075331169"/>
+      </p:ext>
+    </p:extLst>
+  </p:cSld>
+  <p:clrMapOvr>
+    <a:masterClrMapping/>
+  </p:clrMapOvr>
+</p:sld>
+</file>
+
+<file path=ppt/slides/slide2.xml><?xml version="1.0" encoding="utf-8"?>
+<p:sld xmlns:a="http://schemas.openxmlformats.org/drawingml/2006/main" xmlns:r="http://schemas.openxmlformats.org/officeDocument/2006/relationships" xmlns:p="http://schemas.openxmlformats.org/presentationml/2006/main">
+  <p:cSld>
+    <p:spTree>
+      <p:nvGrpSpPr>
+        <p:cNvPr id="1" name=""/>
+        <p:cNvGrpSpPr/>
+        <p:nvPr/>
+      </p:nvGrpSpPr>
+      <p:grpSpPr>
+        <a:xfrm>
+          <a:off x="0" y="0"/>
+          <a:ext cx="0" cy="0"/>
+          <a:chOff x="0" y="0"/>
+          <a:chExt cx="0" cy="0"/>
+        </a:xfrm>
+      </p:grpSpPr>
+      <p:pic>
+        <p:nvPicPr>
           <p:cNvPr id="46" name="Picture 45"/>
           <p:cNvPicPr>
             <a:picLocks noChangeAspect="1"/>

--- a/[Learning and Exercise] Data Science/Data Science/Comparisons/CrossEntropy.pptx
+++ b/[Learning and Exercise] Data Science/Data Science/Comparisons/CrossEntropy.pptx
@@ -105,6 +105,11 @@
       </a:defRPr>
     </a:lvl9pPr>
   </p:defaultTextStyle>
+  <p:extLst>
+    <p:ext uri="{EFAFB233-063F-42B5-8137-9DF3F51BA10A}">
+      <p15:sldGuideLst xmlns:p15="http://schemas.microsoft.com/office/powerpoint/2012/main"/>
+    </p:ext>
+  </p:extLst>
 </p:presentation>
 </file>
 
@@ -2981,7 +2986,7 @@
         </p:blipFill>
         <p:spPr>
           <a:xfrm>
-            <a:off x="2037245" y="515581"/>
+            <a:off x="416008" y="1351444"/>
             <a:ext cx="5349616" cy="4255202"/>
           </a:xfrm>
           <a:prstGeom prst="rect">
@@ -2989,6 +2994,131 @@
           </a:prstGeom>
         </p:spPr>
       </p:pic>
+      <p:sp>
+        <p:nvSpPr>
+          <p:cNvPr id="2" name="TextBox 1"/>
+          <p:cNvSpPr txBox="1"/>
+          <p:nvPr/>
+        </p:nvSpPr>
+        <p:spPr>
+          <a:xfrm>
+            <a:off x="2820471" y="493664"/>
+            <a:ext cx="3551013" cy="646331"/>
+          </a:xfrm>
+          <a:prstGeom prst="rect">
+            <a:avLst/>
+          </a:prstGeom>
+          <a:noFill/>
+        </p:spPr>
+        <p:txBody>
+          <a:bodyPr wrap="square" rtlCol="0">
+            <a:spAutoFit/>
+          </a:bodyPr>
+          <a:lstStyle/>
+          <a:p>
+            <a:r>
+              <a:rPr lang="en-US" altLang="zh-CN" dirty="0" smtClean="0">
+                <a:solidFill>
+                  <a:srgbClr val="FF0000"/>
+                </a:solidFill>
+              </a:rPr>
+              <a:t>Softmax</a:t>
+            </a:r>
+            <a:endParaRPr lang="en-US" altLang="zh-CN" dirty="0">
+              <a:solidFill>
+                <a:srgbClr val="FF0000"/>
+              </a:solidFill>
+            </a:endParaRPr>
+          </a:p>
+          <a:p>
+            <a:r>
+              <a:rPr lang="en-US" dirty="0" smtClean="0">
+                <a:solidFill>
+                  <a:srgbClr val="FF0000"/>
+                </a:solidFill>
+              </a:rPr>
+              <a:t>(output)</a:t>
+            </a:r>
+            <a:endParaRPr lang="en-US" dirty="0">
+              <a:solidFill>
+                <a:srgbClr val="FF0000"/>
+              </a:solidFill>
+            </a:endParaRPr>
+          </a:p>
+        </p:txBody>
+      </p:sp>
+      <p:pic>
+        <p:nvPicPr>
+          <p:cNvPr id="3" name="Picture 2"/>
+          <p:cNvPicPr>
+            <a:picLocks noChangeAspect="1"/>
+          </p:cNvPicPr>
+          <p:nvPr/>
+        </p:nvPicPr>
+        <p:blipFill>
+          <a:blip r:embed="rId3"/>
+          <a:stretch>
+            <a:fillRect/>
+          </a:stretch>
+        </p:blipFill>
+        <p:spPr>
+          <a:xfrm>
+            <a:off x="7490367" y="1429596"/>
+            <a:ext cx="2147903" cy="352428"/>
+          </a:xfrm>
+          <a:prstGeom prst="rect">
+            <a:avLst/>
+          </a:prstGeom>
+        </p:spPr>
+      </p:pic>
+      <p:sp>
+        <p:nvSpPr>
+          <p:cNvPr id="5" name="TextBox 4"/>
+          <p:cNvSpPr txBox="1"/>
+          <p:nvPr/>
+        </p:nvSpPr>
+        <p:spPr>
+          <a:xfrm>
+            <a:off x="8027315" y="612405"/>
+            <a:ext cx="3551013" cy="646331"/>
+          </a:xfrm>
+          <a:prstGeom prst="rect">
+            <a:avLst/>
+          </a:prstGeom>
+          <a:noFill/>
+        </p:spPr>
+        <p:txBody>
+          <a:bodyPr wrap="square" rtlCol="0">
+            <a:spAutoFit/>
+          </a:bodyPr>
+          <a:lstStyle/>
+          <a:p>
+            <a:r>
+              <a:rPr lang="en-US" altLang="zh-CN" dirty="0" smtClean="0">
+                <a:solidFill>
+                  <a:srgbClr val="FF0000"/>
+                </a:solidFill>
+              </a:rPr>
+              <a:t>Cross Entropy</a:t>
+            </a:r>
+          </a:p>
+          <a:p>
+            <a:r>
+              <a:rPr lang="en-US" dirty="0" smtClean="0">
+                <a:solidFill>
+                  <a:srgbClr val="FF0000"/>
+                </a:solidFill>
+              </a:rPr>
+              <a:t>(Loss function)</a:t>
+            </a:r>
+            <a:endParaRPr lang="en-US" dirty="0">
+              <a:solidFill>
+                <a:srgbClr val="FF0000"/>
+              </a:solidFill>
+            </a:endParaRPr>
+          </a:p>
+        </p:txBody>
+      </p:sp>
     </p:spTree>
     <p:extLst>
       <p:ext uri="{BB962C8B-B14F-4D97-AF65-F5344CB8AC3E}">
